--- a/slides/refatoracao.pptx
+++ b/slides/refatoracao.pptx
@@ -10,13 +10,6 @@
     <p:sldId id="257" r:id="rId5"/>
     <p:sldId id="258" r:id="rId6"/>
     <p:sldId id="259" r:id="rId7"/>
-    <p:sldId id="260" r:id="rId8"/>
-    <p:sldId id="261" r:id="rId9"/>
-    <p:sldId id="262" r:id="rId10"/>
-    <p:sldId id="263" r:id="rId11"/>
-    <p:sldId id="264" r:id="rId12"/>
-    <p:sldId id="265" r:id="rId13"/>
-    <p:sldId id="266" r:id="rId14"/>
   </p:sldIdLst>
   <p:sldSz cx="10080625" cy="5670550"/>
   <p:notesSz cx="7559675" cy="10691812"/>
@@ -3297,7 +3290,7 @@
           </a:bodyPr>
           <a:p>
             <a:pPr algn="r"/>
-            <a:fld id="{D45413B1-6D49-4E70-8C3B-EDC9C21D91CE}" type="slidenum">
+            <a:fld id="{E01A2B2C-8DFC-4668-AE9B-75DD1A461986}" type="slidenum">
               <a:rPr b="0" lang="pt-BR" sz="1400" spc="-1" strike="noStrike">
                 <a:latin typeface="Noto Sans"/>
               </a:rPr>
@@ -3309,11 +3302,11 @@
               </a:rPr>
               <a:t> / </a:t>
             </a:r>
-            <a:fld id="{C18FA53E-31CD-4358-85A8-2E1FF855835C}" type="slidecount">
+            <a:fld id="{A7CFEA22-3908-482B-994F-B1CCE72B4BB6}" type="slidecount">
               <a:rPr b="0" lang="pt-BR" sz="1400" spc="-1" strike="noStrike">
                 <a:latin typeface="Noto Sans"/>
               </a:rPr>
-              <a:t>&lt;count&gt;</a:t>
+              <a:t>4</a:t>
             </a:fld>
             <a:endParaRPr b="0" lang="pt-BR" sz="1400" spc="-1" strike="noStrike">
               <a:latin typeface="Noto Sans Regular"/>
@@ -3747,7 +3740,7 @@
           </a:bodyPr>
           <a:p>
             <a:pPr algn="r"/>
-            <a:fld id="{8EE364B2-7BB8-4BBD-A139-803567BCA2F5}" type="slidenum">
+            <a:fld id="{03234CBA-9DB3-4127-8C82-49DB78DD5212}" type="slidenum">
               <a:rPr b="0" lang="pt-BR" sz="1400" spc="-1" strike="noStrike">
                 <a:latin typeface="Noto Sans"/>
               </a:rPr>
@@ -3759,11 +3752,11 @@
               </a:rPr>
               <a:t> / </a:t>
             </a:r>
-            <a:fld id="{BA684CC3-8F8C-4514-9ADD-1D7093F23898}" type="slidecount">
+            <a:fld id="{B8F6914D-4702-4EED-8210-668DD31FD533}" type="slidecount">
               <a:rPr b="0" lang="pt-BR" sz="1400" spc="-1" strike="noStrike">
                 <a:latin typeface="Noto Sans"/>
               </a:rPr>
-              <a:t>11</a:t>
+              <a:t>4</a:t>
             </a:fld>
             <a:endParaRPr b="0" lang="pt-BR" sz="1400" spc="-1" strike="noStrike">
               <a:latin typeface="Noto Sans Regular"/>
@@ -3891,7 +3884,7 @@
                 </a:solidFill>
                 <a:latin typeface="Noto Sans Regular"/>
               </a:rPr>
-              <a:t>O que é Test Driven Development (TDD)?</a:t>
+              <a:t>O que é Refatoração?</a:t>
             </a:r>
             <a:endParaRPr b="1" lang="pt-BR" sz="3600" spc="-1" strike="noStrike">
               <a:solidFill>
@@ -3934,438 +3927,6 @@
               <a:t>Autor: Rodolfo Dirack</a:t>
             </a:r>
             <a:endParaRPr b="0" lang="pt-BR" sz="2400" spc="-1" strike="noStrike">
-              <a:latin typeface="Noto Sans Regular"/>
-            </a:endParaRPr>
-          </a:p>
-        </p:txBody>
-      </p:sp>
-    </p:spTree>
-  </p:cSld>
-  <mc:AlternateContent>
-    <mc:Choice Requires="p14">
-      <p:transition spd="slow" p14:dur="2000"/>
-    </mc:Choice>
-    <mc:Fallback>
-      <p:transition spd="slow"/>
-    </mc:Fallback>
-  </mc:AlternateContent>
-</p:sld>
-</file>
-
-<file path=ppt/slides/slide10.xml><?xml version="1.0" encoding="utf-8"?>
-<p:sld xmlns:a="http://schemas.openxmlformats.org/drawingml/2006/main" xmlns:p="http://schemas.openxmlformats.org/presentationml/2006/main" xmlns:r="http://schemas.openxmlformats.org/officeDocument/2006/relationships" xmlns:p14="http://schemas.microsoft.com/office/powerpoint/2010/main" xmlns:p15="http://schemas.microsoft.com/office/powerpoint/2012/main" xmlns:mc="http://schemas.openxmlformats.org/markup-compatibility/2006">
-  <p:cSld>
-    <p:spTree>
-      <p:nvGrpSpPr>
-        <p:cNvPr id="1" name=""/>
-        <p:cNvGrpSpPr/>
-        <p:nvPr/>
-      </p:nvGrpSpPr>
-      <p:grpSpPr>
-        <a:xfrm>
-          <a:off x="0" y="0"/>
-          <a:ext cx="0" cy="0"/>
-          <a:chOff x="0" y="0"/>
-          <a:chExt cx="0" cy="0"/>
-        </a:xfrm>
-      </p:grpSpPr>
-      <p:sp>
-        <p:nvSpPr>
-          <p:cNvPr id="105" name="TextShape 1"/>
-          <p:cNvSpPr txBox="1"/>
-          <p:nvPr/>
-        </p:nvSpPr>
-        <p:spPr>
-          <a:xfrm>
-            <a:off x="720000" y="180000"/>
-            <a:ext cx="9000000" cy="1080000"/>
-          </a:xfrm>
-          <a:prstGeom prst="rect">
-            <a:avLst/>
-          </a:prstGeom>
-          <a:noFill/>
-          <a:ln>
-            <a:noFill/>
-          </a:ln>
-        </p:spPr>
-        <p:txBody>
-          <a:bodyPr lIns="0" rIns="0" tIns="0" bIns="0" anchor="ctr">
-            <a:noAutofit/>
-          </a:bodyPr>
-          <a:p>
-            <a:r>
-              <a:rPr b="1" lang="pt-BR" sz="3300" spc="-1" strike="noStrike">
-                <a:solidFill>
-                  <a:srgbClr val="333333"/>
-                </a:solidFill>
-                <a:latin typeface="Noto Sans Regular"/>
-              </a:rPr>
-              <a:t>Por que refatorar?</a:t>
-            </a:r>
-            <a:endParaRPr b="1" lang="pt-BR" sz="3300" spc="-1" strike="noStrike">
-              <a:solidFill>
-                <a:srgbClr val="333333"/>
-              </a:solidFill>
-              <a:latin typeface="Noto Sans Regular"/>
-            </a:endParaRPr>
-          </a:p>
-        </p:txBody>
-      </p:sp>
-      <p:sp>
-        <p:nvSpPr>
-          <p:cNvPr id="106" name="TextShape 2"/>
-          <p:cNvSpPr txBox="1"/>
-          <p:nvPr/>
-        </p:nvSpPr>
-        <p:spPr>
-          <a:xfrm>
-            <a:off x="720000" y="1440000"/>
-            <a:ext cx="9000000" cy="3420000"/>
-          </a:xfrm>
-          <a:prstGeom prst="rect">
-            <a:avLst/>
-          </a:prstGeom>
-          <a:noFill/>
-          <a:ln>
-            <a:noFill/>
-          </a:ln>
-        </p:spPr>
-        <p:txBody>
-          <a:bodyPr lIns="0" rIns="0" tIns="0" bIns="0">
-            <a:noAutofit/>
-          </a:bodyPr>
-          <a:p>
-            <a:pPr marL="432000" indent="-324000">
-              <a:spcAft>
-                <a:spcPts val="1060"/>
-              </a:spcAft>
-              <a:buClr>
-                <a:srgbClr val="ef2929"/>
-              </a:buClr>
-              <a:buSzPct val="45000"/>
-              <a:buFont typeface="Wingdings" charset="2"/>
-              <a:buChar char=""/>
-            </a:pPr>
-            <a:r>
-              <a:rPr b="0" lang="pt-BR" sz="2100" spc="-1" strike="noStrike">
-                <a:solidFill>
-                  <a:srgbClr val="333333"/>
-                </a:solidFill>
-                <a:latin typeface="Noto Sans Regular"/>
-              </a:rPr>
-              <a:t>Para obter um software de qualidade!</a:t>
-            </a:r>
-            <a:endParaRPr b="0" lang="pt-BR" sz="2100" spc="-1" strike="noStrike">
-              <a:solidFill>
-                <a:srgbClr val="333333"/>
-              </a:solidFill>
-              <a:latin typeface="Noto Sans Regular"/>
-            </a:endParaRPr>
-          </a:p>
-          <a:p>
-            <a:pPr marL="432000" indent="-324000">
-              <a:spcAft>
-                <a:spcPts val="1060"/>
-              </a:spcAft>
-              <a:buClr>
-                <a:srgbClr val="ef2929"/>
-              </a:buClr>
-              <a:buSzPct val="45000"/>
-              <a:buFont typeface="Wingdings" charset="2"/>
-              <a:buChar char=""/>
-            </a:pPr>
-            <a:r>
-              <a:rPr b="0" lang="pt-BR" sz="2100" spc="-1" strike="noStrike">
-                <a:solidFill>
-                  <a:srgbClr val="333333"/>
-                </a:solidFill>
-                <a:latin typeface="Noto Sans Regular"/>
-              </a:rPr>
-              <a:t>Código limpo e claro:</a:t>
-            </a:r>
-            <a:endParaRPr b="0" lang="pt-BR" sz="2100" spc="-1" strike="noStrike">
-              <a:solidFill>
-                <a:srgbClr val="333333"/>
-              </a:solidFill>
-              <a:latin typeface="Noto Sans Regular"/>
-            </a:endParaRPr>
-          </a:p>
-          <a:p>
-            <a:pPr marL="432000" indent="-324000">
-              <a:spcAft>
-                <a:spcPts val="1060"/>
-              </a:spcAft>
-              <a:buClr>
-                <a:srgbClr val="ef2929"/>
-              </a:buClr>
-              <a:buSzPct val="45000"/>
-              <a:buFont typeface="Wingdings" charset="2"/>
-              <a:buChar char=""/>
-            </a:pPr>
-            <a:r>
-              <a:rPr b="0" lang="pt-BR" sz="2100" spc="-1" strike="noStrike">
-                <a:solidFill>
-                  <a:srgbClr val="333333"/>
-                </a:solidFill>
-                <a:latin typeface="Noto Sans Regular"/>
-              </a:rPr>
-              <a:t>Fácil de ler (expressar intenção)</a:t>
-            </a:r>
-            <a:endParaRPr b="0" lang="pt-BR" sz="2100" spc="-1" strike="noStrike">
-              <a:solidFill>
-                <a:srgbClr val="333333"/>
-              </a:solidFill>
-              <a:latin typeface="Noto Sans Regular"/>
-            </a:endParaRPr>
-          </a:p>
-          <a:p>
-            <a:pPr marL="432000" indent="-324000">
-              <a:spcAft>
-                <a:spcPts val="1060"/>
-              </a:spcAft>
-              <a:buClr>
-                <a:srgbClr val="ef2929"/>
-              </a:buClr>
-              <a:buSzPct val="45000"/>
-              <a:buFont typeface="Wingdings" charset="2"/>
-              <a:buChar char=""/>
-            </a:pPr>
-            <a:r>
-              <a:rPr b="0" lang="pt-BR" sz="2100" spc="-1" strike="noStrike">
-                <a:solidFill>
-                  <a:srgbClr val="333333"/>
-                </a:solidFill>
-                <a:latin typeface="Noto Sans Regular"/>
-              </a:rPr>
-              <a:t>Fácil de compreender</a:t>
-            </a:r>
-            <a:endParaRPr b="0" lang="pt-BR" sz="2100" spc="-1" strike="noStrike">
-              <a:solidFill>
-                <a:srgbClr val="333333"/>
-              </a:solidFill>
-              <a:latin typeface="Noto Sans Regular"/>
-            </a:endParaRPr>
-          </a:p>
-          <a:p>
-            <a:pPr marL="432000" indent="-324000">
-              <a:spcAft>
-                <a:spcPts val="1060"/>
-              </a:spcAft>
-              <a:buClr>
-                <a:srgbClr val="ef2929"/>
-              </a:buClr>
-              <a:buSzPct val="45000"/>
-              <a:buFont typeface="Wingdings" charset="2"/>
-              <a:buChar char=""/>
-            </a:pPr>
-            <a:r>
-              <a:rPr b="0" lang="pt-BR" sz="2100" spc="-1" strike="noStrike">
-                <a:solidFill>
-                  <a:srgbClr val="333333"/>
-                </a:solidFill>
-                <a:latin typeface="Noto Sans Regular"/>
-              </a:rPr>
-              <a:t>Fácil de promover mudanças</a:t>
-            </a:r>
-            <a:endParaRPr b="0" lang="pt-BR" sz="2100" spc="-1" strike="noStrike">
-              <a:solidFill>
-                <a:srgbClr val="333333"/>
-              </a:solidFill>
-              <a:latin typeface="Noto Sans Regular"/>
-            </a:endParaRPr>
-          </a:p>
-        </p:txBody>
-      </p:sp>
-    </p:spTree>
-  </p:cSld>
-  <mc:AlternateContent>
-    <mc:Choice Requires="p14">
-      <p:transition spd="slow" p14:dur="2000"/>
-    </mc:Choice>
-    <mc:Fallback>
-      <p:transition spd="slow"/>
-    </mc:Fallback>
-  </mc:AlternateContent>
-</p:sld>
-</file>
-
-<file path=ppt/slides/slide11.xml><?xml version="1.0" encoding="utf-8"?>
-<p:sld xmlns:a="http://schemas.openxmlformats.org/drawingml/2006/main" xmlns:p="http://schemas.openxmlformats.org/presentationml/2006/main" xmlns:r="http://schemas.openxmlformats.org/officeDocument/2006/relationships" xmlns:p14="http://schemas.microsoft.com/office/powerpoint/2010/main" xmlns:p15="http://schemas.microsoft.com/office/powerpoint/2012/main" xmlns:mc="http://schemas.openxmlformats.org/markup-compatibility/2006">
-  <p:cSld>
-    <p:spTree>
-      <p:nvGrpSpPr>
-        <p:cNvPr id="1" name=""/>
-        <p:cNvGrpSpPr/>
-        <p:nvPr/>
-      </p:nvGrpSpPr>
-      <p:grpSpPr>
-        <a:xfrm>
-          <a:off x="0" y="0"/>
-          <a:ext cx="0" cy="0"/>
-          <a:chOff x="0" y="0"/>
-          <a:chExt cx="0" cy="0"/>
-        </a:xfrm>
-      </p:grpSpPr>
-      <p:pic>
-        <p:nvPicPr>
-          <p:cNvPr id="107" name="" descr=""/>
-          <p:cNvPicPr/>
-          <p:nvPr/>
-        </p:nvPicPr>
-        <p:blipFill>
-          <a:blip r:embed="rId1"/>
-          <a:stretch/>
-        </p:blipFill>
-        <p:spPr>
-          <a:xfrm>
-            <a:off x="1108800" y="1381320"/>
-            <a:ext cx="3603600" cy="3603600"/>
-          </a:xfrm>
-          <a:prstGeom prst="rect">
-            <a:avLst/>
-          </a:prstGeom>
-          <a:ln w="10800">
-            <a:noFill/>
-          </a:ln>
-        </p:spPr>
-      </p:pic>
-      <p:sp>
-        <p:nvSpPr>
-          <p:cNvPr id="108" name="TextShape 1"/>
-          <p:cNvSpPr txBox="1"/>
-          <p:nvPr/>
-        </p:nvSpPr>
-        <p:spPr>
-          <a:xfrm>
-            <a:off x="720000" y="180000"/>
-            <a:ext cx="9000000" cy="1080000"/>
-          </a:xfrm>
-          <a:prstGeom prst="rect">
-            <a:avLst/>
-          </a:prstGeom>
-          <a:noFill/>
-          <a:ln>
-            <a:noFill/>
-          </a:ln>
-        </p:spPr>
-        <p:txBody>
-          <a:bodyPr lIns="0" rIns="0" tIns="0" bIns="0" anchor="ctr">
-            <a:noAutofit/>
-          </a:bodyPr>
-          <a:p>
-            <a:r>
-              <a:rPr b="1" lang="pt-BR" sz="3300" spc="-1" strike="noStrike">
-                <a:solidFill>
-                  <a:srgbClr val="333333"/>
-                </a:solidFill>
-                <a:latin typeface="Noto Sans Regular"/>
-              </a:rPr>
-              <a:t>Code Refactoring (Martin Fowler)</a:t>
-            </a:r>
-            <a:endParaRPr b="1" lang="pt-BR" sz="3300" spc="-1" strike="noStrike">
-              <a:solidFill>
-                <a:srgbClr val="333333"/>
-              </a:solidFill>
-              <a:latin typeface="Noto Sans Regular"/>
-            </a:endParaRPr>
-          </a:p>
-        </p:txBody>
-      </p:sp>
-      <p:sp>
-        <p:nvSpPr>
-          <p:cNvPr id="109" name="TextShape 2"/>
-          <p:cNvSpPr txBox="1"/>
-          <p:nvPr/>
-        </p:nvSpPr>
-        <p:spPr>
-          <a:xfrm>
-            <a:off x="5040000" y="1440000"/>
-            <a:ext cx="4680000" cy="3420000"/>
-          </a:xfrm>
-          <a:prstGeom prst="rect">
-            <a:avLst/>
-          </a:prstGeom>
-          <a:noFill/>
-          <a:ln>
-            <a:noFill/>
-          </a:ln>
-        </p:spPr>
-        <p:txBody>
-          <a:bodyPr lIns="0" rIns="0" tIns="0" bIns="0">
-            <a:noAutofit/>
-          </a:bodyPr>
-          <a:p>
-            <a:pPr marL="432000" indent="-324000" algn="ctr">
-              <a:spcAft>
-                <a:spcPts val="1060"/>
-              </a:spcAft>
-              <a:buClr>
-                <a:srgbClr val="ef2929"/>
-              </a:buClr>
-              <a:buSzPct val="45000"/>
-              <a:buFont typeface="Wingdings" charset="2"/>
-              <a:buChar char=""/>
-            </a:pPr>
-            <a:endParaRPr b="0" lang="pt-BR" sz="2100" spc="-1" strike="noStrike">
-              <a:solidFill>
-                <a:srgbClr val="333333"/>
-              </a:solidFill>
-              <a:latin typeface="Noto Sans Regular"/>
-            </a:endParaRPr>
-          </a:p>
-          <a:p>
-            <a:pPr marL="432000" indent="-324000" algn="ctr">
-              <a:spcAft>
-                <a:spcPts val="1060"/>
-              </a:spcAft>
-              <a:buClr>
-                <a:srgbClr val="ef2929"/>
-              </a:buClr>
-              <a:buSzPct val="45000"/>
-              <a:buFont typeface="Wingdings" charset="2"/>
-              <a:buChar char=""/>
-            </a:pPr>
-            <a:endParaRPr b="0" lang="pt-BR" sz="2100" spc="-1" strike="noStrike">
-              <a:solidFill>
-                <a:srgbClr val="333333"/>
-              </a:solidFill>
-              <a:latin typeface="Noto Sans Regular"/>
-            </a:endParaRPr>
-          </a:p>
-          <a:p>
-            <a:pPr marL="432000" indent="-324000">
-              <a:spcAft>
-                <a:spcPts val="1060"/>
-              </a:spcAft>
-              <a:buClr>
-                <a:srgbClr val="ef2929"/>
-              </a:buClr>
-              <a:buSzPct val="45000"/>
-              <a:buFont typeface="Wingdings" charset="2"/>
-              <a:buChar char=""/>
-            </a:pPr>
-            <a:r>
-              <a:rPr b="0" lang="pt-BR" sz="2100" spc="-1" strike="noStrike">
-                <a:solidFill>
-                  <a:srgbClr val="333333"/>
-                </a:solidFill>
-                <a:latin typeface="Noto Sans Regular"/>
-              </a:rPr>
-              <a:t>“</a:t>
-            </a:r>
-            <a:r>
-              <a:rPr b="0" lang="pt-BR" sz="2100" spc="-1" strike="noStrike">
-                <a:solidFill>
-                  <a:srgbClr val="333333"/>
-                </a:solidFill>
-                <a:latin typeface="Noto Sans Regular"/>
-              </a:rPr>
-              <a:t>Uma série de passos pequenos, cada um dos quais muda a estrutura interna do programa sem alterar o seu comportamento externo.”</a:t>
-            </a:r>
-            <a:endParaRPr b="0" lang="pt-BR" sz="2100" spc="-1" strike="noStrike">
-              <a:solidFill>
-                <a:srgbClr val="333333"/>
-              </a:solidFill>
               <a:latin typeface="Noto Sans Regular"/>
             </a:endParaRPr>
           </a:p>
@@ -4432,7 +3993,7 @@
                 </a:solidFill>
                 <a:latin typeface="Noto Sans Regular"/>
               </a:rPr>
-              <a:t>Oque é TDD?</a:t>
+              <a:t>O que é Refatoração?</a:t>
             </a:r>
             <a:endParaRPr b="1" lang="pt-BR" sz="3300" spc="-1" strike="noStrike">
               <a:solidFill>
@@ -4485,7 +4046,7 @@
                 </a:solidFill>
                 <a:latin typeface="Noto Sans Regular"/>
               </a:rPr>
-              <a:t>TDD (Test Driven Development – Desenvolvimento orientado a testes) é uma técnica incremental de desenvolvimento de software</a:t>
+              <a:t>Alteração feita no código de um software para torná-lo: </a:t>
             </a:r>
             <a:endParaRPr b="0" lang="pt-BR" sz="2100" spc="-1" strike="noStrike">
               <a:solidFill>
@@ -4504,7 +4065,7 @@
               </a:buClr>
               <a:buSzPct val="45000"/>
               <a:buFont typeface="Wingdings" charset="2"/>
-              <a:buChar char=""/>
+              <a:buChar char=""/>
             </a:pPr>
             <a:r>
               <a:rPr b="0" lang="pt-BR" sz="2100" spc="-1" strike="noStrike">
@@ -4513,16 +4074,35 @@
                 </a:solidFill>
                 <a:latin typeface="Noto Sans Regular"/>
               </a:rPr>
-              <a:t>Funciona em pequenos ciclos chamados de </a:t>
+              <a:t>Mais fácil de compreender; </a:t>
             </a:r>
+            <a:endParaRPr b="0" lang="pt-BR" sz="2100" spc="-1" strike="noStrike">
+              <a:solidFill>
+                <a:srgbClr val="333333"/>
+              </a:solidFill>
+              <a:latin typeface="Noto Sans Regular"/>
+            </a:endParaRPr>
+          </a:p>
+          <a:p>
+            <a:pPr marL="432000" indent="-324000">
+              <a:spcAft>
+                <a:spcPts val="1060"/>
+              </a:spcAft>
+              <a:buClr>
+                <a:srgbClr val="ef2929"/>
+              </a:buClr>
+              <a:buSzPct val="45000"/>
+              <a:buFont typeface="Wingdings" charset="2"/>
+              <a:buChar char=""/>
+            </a:pPr>
             <a:r>
-              <a:rPr b="0" i="1" lang="pt-BR" sz="2100" spc="-1" strike="noStrike">
+              <a:rPr b="0" lang="pt-BR" sz="2100" spc="-1" strike="noStrike">
                 <a:solidFill>
                   <a:srgbClr val="333333"/>
                 </a:solidFill>
                 <a:latin typeface="Noto Sans Regular"/>
               </a:rPr>
-              <a:t>baby steps</a:t>
+              <a:t>Mais fácil de modificar;</a:t>
             </a:r>
             <a:endParaRPr b="0" lang="pt-BR" sz="2100" spc="-1" strike="noStrike">
               <a:solidFill>
@@ -4531,31 +4111,36 @@
               <a:latin typeface="Noto Sans Regular"/>
             </a:endParaRPr>
           </a:p>
-        </p:txBody>
-      </p:sp>
-      <p:pic>
-        <p:nvPicPr>
-          <p:cNvPr id="89" name="" descr=""/>
-          <p:cNvPicPr/>
-          <p:nvPr/>
-        </p:nvPicPr>
-        <p:blipFill>
-          <a:blip r:embed="rId1"/>
-          <a:stretch/>
-        </p:blipFill>
-        <p:spPr>
-          <a:xfrm>
-            <a:off x="3599640" y="2850480"/>
-            <a:ext cx="3600360" cy="2819520"/>
-          </a:xfrm>
-          <a:prstGeom prst="rect">
-            <a:avLst/>
-          </a:prstGeom>
-          <a:ln w="10800">
-            <a:noFill/>
-          </a:ln>
-        </p:spPr>
-      </p:pic>
+          <a:p>
+            <a:pPr marL="432000" indent="-324000">
+              <a:spcAft>
+                <a:spcPts val="1060"/>
+              </a:spcAft>
+              <a:buClr>
+                <a:srgbClr val="ef2929"/>
+              </a:buClr>
+              <a:buSzPct val="45000"/>
+              <a:buFont typeface="Wingdings" charset="2"/>
+              <a:buChar char=""/>
+            </a:pPr>
+            <a:r>
+              <a:rPr b="0" lang="pt-BR" sz="2100" spc="-1" strike="noStrike">
+                <a:solidFill>
+                  <a:srgbClr val="333333"/>
+                </a:solidFill>
+                <a:latin typeface="Noto Sans Regular"/>
+              </a:rPr>
+              <a:t>Sem alterar o seu comportamento observável;</a:t>
+            </a:r>
+            <a:endParaRPr b="0" lang="pt-BR" sz="2100" spc="-1" strike="noStrike">
+              <a:solidFill>
+                <a:srgbClr val="333333"/>
+              </a:solidFill>
+              <a:latin typeface="Noto Sans Regular"/>
+            </a:endParaRPr>
+          </a:p>
+        </p:txBody>
+      </p:sp>
     </p:spTree>
   </p:cSld>
   <mc:AlternateContent>
@@ -4588,14 +4173,14 @@
       </p:grpSpPr>
       <p:sp>
         <p:nvSpPr>
-          <p:cNvPr id="90" name="TextShape 1"/>
+          <p:cNvPr id="89" name="TextShape 1"/>
           <p:cNvSpPr txBox="1"/>
           <p:nvPr/>
         </p:nvSpPr>
         <p:spPr>
           <a:xfrm>
-            <a:off x="720000" y="225720"/>
-            <a:ext cx="8855640" cy="946800"/>
+            <a:off x="720000" y="180000"/>
+            <a:ext cx="9000000" cy="1080000"/>
           </a:xfrm>
           <a:prstGeom prst="rect">
             <a:avLst/>
@@ -4617,7 +4202,7 @@
                 </a:solidFill>
                 <a:latin typeface="Noto Sans Regular"/>
               </a:rPr>
-              <a:t>Como é sem TDD?</a:t>
+              <a:t>Por que refatorar?</a:t>
             </a:r>
             <a:endParaRPr b="1" lang="pt-BR" sz="3300" spc="-1" strike="noStrike">
               <a:solidFill>
@@ -4630,14 +4215,14 @@
       </p:sp>
       <p:sp>
         <p:nvSpPr>
-          <p:cNvPr id="91" name="TextShape 2"/>
+          <p:cNvPr id="90" name="TextShape 2"/>
           <p:cNvSpPr txBox="1"/>
           <p:nvPr/>
         </p:nvSpPr>
         <p:spPr>
           <a:xfrm>
-            <a:off x="720000" y="1620000"/>
-            <a:ext cx="8640000" cy="3288600"/>
+            <a:off x="720000" y="1440000"/>
+            <a:ext cx="9000000" cy="3420000"/>
           </a:xfrm>
           <a:prstGeom prst="rect">
             <a:avLst/>
@@ -4670,7 +4255,7 @@
                 </a:solidFill>
                 <a:latin typeface="Noto Sans Regular"/>
               </a:rPr>
-              <a:t>Fazer todo o programa e depois a depuração</a:t>
+              <a:t>Para obter um software de qualidade!</a:t>
             </a:r>
             <a:endParaRPr b="0" lang="pt-BR" sz="2100" spc="-1" strike="noStrike">
               <a:solidFill>
@@ -4698,7 +4283,7 @@
                 </a:solidFill>
                 <a:latin typeface="Noto Sans Regular"/>
               </a:rPr>
-              <a:t>Cada erro trás outros erros</a:t>
+              <a:t>Código limpo e claro:</a:t>
             </a:r>
             <a:endParaRPr b="0" lang="pt-BR" sz="2100" spc="-1" strike="noStrike">
               <a:solidFill>
@@ -4717,7 +4302,7 @@
               </a:buClr>
               <a:buSzPct val="45000"/>
               <a:buFont typeface="Wingdings" charset="2"/>
-              <a:buChar char=""/>
+              <a:buChar char=""/>
             </a:pPr>
             <a:r>
               <a:rPr b="0" lang="pt-BR" sz="2100" spc="-1" strike="noStrike">
@@ -4726,7 +4311,7 @@
                 </a:solidFill>
                 <a:latin typeface="Noto Sans Regular"/>
               </a:rPr>
-              <a:t>Depuração difícil</a:t>
+              <a:t>Fácil de ler (expressar intenção)</a:t>
             </a:r>
             <a:endParaRPr b="0" lang="pt-BR" sz="2100" spc="-1" strike="noStrike">
               <a:solidFill>
@@ -4735,32 +4320,64 @@
               <a:latin typeface="Noto Sans Regular"/>
             </a:endParaRPr>
           </a:p>
-        </p:txBody>
-      </p:sp>
-      <p:pic>
-        <p:nvPicPr>
-          <p:cNvPr id="92" name="" descr=""/>
-          <p:cNvPicPr/>
-          <p:nvPr/>
-        </p:nvPicPr>
-        <p:blipFill>
-          <a:blip r:embed="rId1"/>
-          <a:srcRect l="22727" t="31333" r="18341" b="30546"/>
-          <a:stretch/>
-        </p:blipFill>
-        <p:spPr>
-          <a:xfrm>
-            <a:off x="1813320" y="3063240"/>
-            <a:ext cx="5939640" cy="2159640"/>
-          </a:xfrm>
-          <a:prstGeom prst="rect">
-            <a:avLst/>
-          </a:prstGeom>
-          <a:ln w="10800">
-            <a:noFill/>
-          </a:ln>
-        </p:spPr>
-      </p:pic>
+          <a:p>
+            <a:pPr marL="432000" indent="-324000">
+              <a:spcAft>
+                <a:spcPts val="1060"/>
+              </a:spcAft>
+              <a:buClr>
+                <a:srgbClr val="ef2929"/>
+              </a:buClr>
+              <a:buSzPct val="45000"/>
+              <a:buFont typeface="Wingdings" charset="2"/>
+              <a:buChar char=""/>
+            </a:pPr>
+            <a:r>
+              <a:rPr b="0" lang="pt-BR" sz="2100" spc="-1" strike="noStrike">
+                <a:solidFill>
+                  <a:srgbClr val="333333"/>
+                </a:solidFill>
+                <a:latin typeface="Noto Sans Regular"/>
+              </a:rPr>
+              <a:t>Fácil de compreender</a:t>
+            </a:r>
+            <a:endParaRPr b="0" lang="pt-BR" sz="2100" spc="-1" strike="noStrike">
+              <a:solidFill>
+                <a:srgbClr val="333333"/>
+              </a:solidFill>
+              <a:latin typeface="Noto Sans Regular"/>
+            </a:endParaRPr>
+          </a:p>
+          <a:p>
+            <a:pPr marL="432000" indent="-324000">
+              <a:spcAft>
+                <a:spcPts val="1060"/>
+              </a:spcAft>
+              <a:buClr>
+                <a:srgbClr val="ef2929"/>
+              </a:buClr>
+              <a:buSzPct val="45000"/>
+              <a:buFont typeface="Wingdings" charset="2"/>
+              <a:buChar char=""/>
+            </a:pPr>
+            <a:r>
+              <a:rPr b="0" lang="pt-BR" sz="2100" spc="-1" strike="noStrike">
+                <a:solidFill>
+                  <a:srgbClr val="333333"/>
+                </a:solidFill>
+                <a:latin typeface="Noto Sans Regular"/>
+              </a:rPr>
+              <a:t>Fácil de promover mudanças</a:t>
+            </a:r>
+            <a:endParaRPr b="0" lang="pt-BR" sz="2100" spc="-1" strike="noStrike">
+              <a:solidFill>
+                <a:srgbClr val="333333"/>
+              </a:solidFill>
+              <a:latin typeface="Noto Sans Regular"/>
+            </a:endParaRPr>
+          </a:p>
+        </p:txBody>
+      </p:sp>
     </p:spTree>
   </p:cSld>
   <mc:AlternateContent>
@@ -4791,9 +4408,32 @@
           <a:chExt cx="0" cy="0"/>
         </a:xfrm>
       </p:grpSpPr>
-      <p:sp>
-        <p:nvSpPr>
-          <p:cNvPr id="93" name="TextShape 1"/>
+      <p:pic>
+        <p:nvPicPr>
+          <p:cNvPr id="91" name="" descr=""/>
+          <p:cNvPicPr/>
+          <p:nvPr/>
+        </p:nvPicPr>
+        <p:blipFill>
+          <a:blip r:embed="rId1"/>
+          <a:stretch/>
+        </p:blipFill>
+        <p:spPr>
+          <a:xfrm>
+            <a:off x="1108800" y="1381320"/>
+            <a:ext cx="3603600" cy="3603600"/>
+          </a:xfrm>
+          <a:prstGeom prst="rect">
+            <a:avLst/>
+          </a:prstGeom>
+          <a:ln w="10800">
+            <a:noFill/>
+          </a:ln>
+        </p:spPr>
+      </p:pic>
+      <p:sp>
+        <p:nvSpPr>
+          <p:cNvPr id="92" name="TextShape 1"/>
           <p:cNvSpPr txBox="1"/>
           <p:nvPr/>
         </p:nvSpPr>
@@ -4822,7 +4462,7 @@
                 </a:solidFill>
                 <a:latin typeface="Noto Sans Regular"/>
               </a:rPr>
-              <a:t>Como é com TDD?</a:t>
+              <a:t>Code Refactoring (Martin Fowler)</a:t>
             </a:r>
             <a:endParaRPr b="1" lang="pt-BR" sz="3300" spc="-1" strike="noStrike">
               <a:solidFill>
@@ -4835,14 +4475,14 @@
       </p:sp>
       <p:sp>
         <p:nvSpPr>
-          <p:cNvPr id="94" name="TextShape 2"/>
+          <p:cNvPr id="93" name="TextShape 2"/>
           <p:cNvSpPr txBox="1"/>
           <p:nvPr/>
         </p:nvSpPr>
         <p:spPr>
           <a:xfrm>
-            <a:off x="720000" y="1440000"/>
-            <a:ext cx="9000000" cy="3420000"/>
+            <a:off x="5040000" y="1440000"/>
+            <a:ext cx="4680000" cy="3420000"/>
           </a:xfrm>
           <a:prstGeom prst="rect">
             <a:avLst/>
@@ -4856,6 +4496,44 @@
           <a:bodyPr lIns="0" rIns="0" tIns="0" bIns="0">
             <a:noAutofit/>
           </a:bodyPr>
+          <a:p>
+            <a:pPr marL="432000" indent="-324000" algn="ctr">
+              <a:spcAft>
+                <a:spcPts val="1060"/>
+              </a:spcAft>
+              <a:buClr>
+                <a:srgbClr val="ef2929"/>
+              </a:buClr>
+              <a:buSzPct val="45000"/>
+              <a:buFont typeface="Wingdings" charset="2"/>
+              <a:buChar char=""/>
+            </a:pPr>
+            <a:endParaRPr b="0" lang="pt-BR" sz="2100" spc="-1" strike="noStrike">
+              <a:solidFill>
+                <a:srgbClr val="333333"/>
+              </a:solidFill>
+              <a:latin typeface="Noto Sans Regular"/>
+            </a:endParaRPr>
+          </a:p>
+          <a:p>
+            <a:pPr marL="432000" indent="-324000" algn="ctr">
+              <a:spcAft>
+                <a:spcPts val="1060"/>
+              </a:spcAft>
+              <a:buClr>
+                <a:srgbClr val="ef2929"/>
+              </a:buClr>
+              <a:buSzPct val="45000"/>
+              <a:buFont typeface="Wingdings" charset="2"/>
+              <a:buChar char=""/>
+            </a:pPr>
+            <a:endParaRPr b="0" lang="pt-BR" sz="2100" spc="-1" strike="noStrike">
+              <a:solidFill>
+                <a:srgbClr val="333333"/>
+              </a:solidFill>
+              <a:latin typeface="Noto Sans Regular"/>
+            </a:endParaRPr>
+          </a:p>
           <a:p>
             <a:pPr marL="432000" indent="-324000">
               <a:spcAft>
@@ -4875,27 +4553,8 @@
                 </a:solidFill>
                 <a:latin typeface="Noto Sans Regular"/>
               </a:rPr>
-              <a:t>Nenhum código de produção é feito sem escrever um teste antes</a:t>
+              <a:t>“</a:t>
             </a:r>
-            <a:endParaRPr b="0" lang="pt-BR" sz="2100" spc="-1" strike="noStrike">
-              <a:solidFill>
-                <a:srgbClr val="333333"/>
-              </a:solidFill>
-              <a:latin typeface="Noto Sans Regular"/>
-            </a:endParaRPr>
-          </a:p>
-          <a:p>
-            <a:pPr marL="432000" indent="-324000">
-              <a:spcAft>
-                <a:spcPts val="1060"/>
-              </a:spcAft>
-              <a:buClr>
-                <a:srgbClr val="ef2929"/>
-              </a:buClr>
-              <a:buSzPct val="45000"/>
-              <a:buFont typeface="Wingdings" charset="2"/>
-              <a:buChar char=""/>
-            </a:pPr>
             <a:r>
               <a:rPr b="0" lang="pt-BR" sz="2100" spc="-1" strike="noStrike">
                 <a:solidFill>
@@ -4903,1021 +4562,7 @@
                 </a:solidFill>
                 <a:latin typeface="Noto Sans Regular"/>
               </a:rPr>
-              <a:t>Testes são pequenos</a:t>
-            </a:r>
-            <a:endParaRPr b="0" lang="pt-BR" sz="2100" spc="-1" strike="noStrike">
-              <a:solidFill>
-                <a:srgbClr val="333333"/>
-              </a:solidFill>
-              <a:latin typeface="Noto Sans Regular"/>
-            </a:endParaRPr>
-          </a:p>
-          <a:p>
-            <a:pPr marL="432000" indent="-324000">
-              <a:spcAft>
-                <a:spcPts val="1060"/>
-              </a:spcAft>
-              <a:buClr>
-                <a:srgbClr val="ef2929"/>
-              </a:buClr>
-              <a:buSzPct val="45000"/>
-              <a:buFont typeface="Wingdings" charset="2"/>
-              <a:buChar char=""/>
-            </a:pPr>
-            <a:r>
-              <a:rPr b="0" lang="pt-BR" sz="2100" spc="-1" strike="noStrike">
-                <a:solidFill>
-                  <a:srgbClr val="333333"/>
-                </a:solidFill>
-                <a:latin typeface="Noto Sans Regular"/>
-              </a:rPr>
-              <a:t>Testes são automatizados</a:t>
-            </a:r>
-            <a:endParaRPr b="0" lang="pt-BR" sz="2100" spc="-1" strike="noStrike">
-              <a:solidFill>
-                <a:srgbClr val="333333"/>
-              </a:solidFill>
-              <a:latin typeface="Noto Sans Regular"/>
-            </a:endParaRPr>
-          </a:p>
-          <a:p>
-            <a:pPr marL="432000" indent="-324000">
-              <a:spcAft>
-                <a:spcPts val="1060"/>
-              </a:spcAft>
-              <a:buClr>
-                <a:srgbClr val="ef2929"/>
-              </a:buClr>
-              <a:buSzPct val="45000"/>
-              <a:buFont typeface="Wingdings" charset="2"/>
-              <a:buChar char=""/>
-            </a:pPr>
-            <a:r>
-              <a:rPr b="0" lang="pt-BR" sz="2100" spc="-1" strike="noStrike">
-                <a:solidFill>
-                  <a:srgbClr val="333333"/>
-                </a:solidFill>
-                <a:latin typeface="Noto Sans Regular"/>
-              </a:rPr>
-              <a:t>Expressar o comportamento desejado do código no teste</a:t>
-            </a:r>
-            <a:endParaRPr b="0" lang="pt-BR" sz="2100" spc="-1" strike="noStrike">
-              <a:solidFill>
-                <a:srgbClr val="333333"/>
-              </a:solidFill>
-              <a:latin typeface="Noto Sans Regular"/>
-            </a:endParaRPr>
-          </a:p>
-          <a:p>
-            <a:pPr marL="432000" indent="-324000">
-              <a:spcAft>
-                <a:spcPts val="1060"/>
-              </a:spcAft>
-              <a:buClr>
-                <a:srgbClr val="ef2929"/>
-              </a:buClr>
-              <a:buSzPct val="45000"/>
-              <a:buFont typeface="Wingdings" charset="2"/>
-              <a:buChar char=""/>
-            </a:pPr>
-            <a:r>
-              <a:rPr b="0" lang="pt-BR" sz="2100" spc="-1" strike="noStrike">
-                <a:solidFill>
-                  <a:srgbClr val="333333"/>
-                </a:solidFill>
-                <a:latin typeface="Noto Sans Regular"/>
-              </a:rPr>
-              <a:t>TDD NÃO é uma técnica de testes!</a:t>
-            </a:r>
-            <a:endParaRPr b="0" lang="pt-BR" sz="2100" spc="-1" strike="noStrike">
-              <a:solidFill>
-                <a:srgbClr val="333333"/>
-              </a:solidFill>
-              <a:latin typeface="Noto Sans Regular"/>
-            </a:endParaRPr>
-          </a:p>
-          <a:p>
-            <a:pPr marL="432000" indent="-324000">
-              <a:spcAft>
-                <a:spcPts val="1060"/>
-              </a:spcAft>
-              <a:buClr>
-                <a:srgbClr val="ef2929"/>
-              </a:buClr>
-              <a:buSzPct val="45000"/>
-              <a:buFont typeface="Wingdings" charset="2"/>
-              <a:buChar char=""/>
-            </a:pPr>
-            <a:r>
-              <a:rPr b="0" lang="pt-BR" sz="2100" spc="-1" strike="noStrike">
-                <a:solidFill>
-                  <a:srgbClr val="333333"/>
-                </a:solidFill>
-                <a:latin typeface="Noto Sans Regular"/>
-              </a:rPr>
-              <a:t>TDD é divertido!</a:t>
-            </a:r>
-            <a:endParaRPr b="0" lang="pt-BR" sz="2100" spc="-1" strike="noStrike">
-              <a:solidFill>
-                <a:srgbClr val="333333"/>
-              </a:solidFill>
-              <a:latin typeface="Noto Sans Regular"/>
-            </a:endParaRPr>
-          </a:p>
-        </p:txBody>
-      </p:sp>
-    </p:spTree>
-  </p:cSld>
-  <mc:AlternateContent>
-    <mc:Choice Requires="p14">
-      <p:transition spd="slow" p14:dur="2000"/>
-    </mc:Choice>
-    <mc:Fallback>
-      <p:transition spd="slow"/>
-    </mc:Fallback>
-  </mc:AlternateContent>
-</p:sld>
-</file>
-
-<file path=ppt/slides/slide5.xml><?xml version="1.0" encoding="utf-8"?>
-<p:sld xmlns:a="http://schemas.openxmlformats.org/drawingml/2006/main" xmlns:p="http://schemas.openxmlformats.org/presentationml/2006/main" xmlns:r="http://schemas.openxmlformats.org/officeDocument/2006/relationships" xmlns:p14="http://schemas.microsoft.com/office/powerpoint/2010/main" xmlns:p15="http://schemas.microsoft.com/office/powerpoint/2012/main" xmlns:mc="http://schemas.openxmlformats.org/markup-compatibility/2006">
-  <p:cSld>
-    <p:spTree>
-      <p:nvGrpSpPr>
-        <p:cNvPr id="1" name=""/>
-        <p:cNvGrpSpPr/>
-        <p:nvPr/>
-      </p:nvGrpSpPr>
-      <p:grpSpPr>
-        <a:xfrm>
-          <a:off x="0" y="0"/>
-          <a:ext cx="0" cy="0"/>
-          <a:chOff x="0" y="0"/>
-          <a:chExt cx="0" cy="0"/>
-        </a:xfrm>
-      </p:grpSpPr>
-      <p:sp>
-        <p:nvSpPr>
-          <p:cNvPr id="95" name="TextShape 1"/>
-          <p:cNvSpPr txBox="1"/>
-          <p:nvPr/>
-        </p:nvSpPr>
-        <p:spPr>
-          <a:xfrm>
-            <a:off x="720000" y="180000"/>
-            <a:ext cx="9000000" cy="1080000"/>
-          </a:xfrm>
-          <a:prstGeom prst="rect">
-            <a:avLst/>
-          </a:prstGeom>
-          <a:noFill/>
-          <a:ln>
-            <a:noFill/>
-          </a:ln>
-        </p:spPr>
-        <p:txBody>
-          <a:bodyPr lIns="0" rIns="0" tIns="0" bIns="0" anchor="ctr">
-            <a:noAutofit/>
-          </a:bodyPr>
-          <a:p>
-            <a:r>
-              <a:rPr b="1" lang="pt-BR" sz="3300" spc="-1" strike="noStrike">
-                <a:solidFill>
-                  <a:srgbClr val="333333"/>
-                </a:solidFill>
-                <a:latin typeface="Noto Sans Regular"/>
-              </a:rPr>
-              <a:t>Como é com TDD?</a:t>
-            </a:r>
-            <a:endParaRPr b="1" lang="pt-BR" sz="3300" spc="-1" strike="noStrike">
-              <a:solidFill>
-                <a:srgbClr val="333333"/>
-              </a:solidFill>
-              <a:latin typeface="Noto Sans Regular"/>
-            </a:endParaRPr>
-          </a:p>
-        </p:txBody>
-      </p:sp>
-      <p:pic>
-        <p:nvPicPr>
-          <p:cNvPr id="96" name="" descr=""/>
-          <p:cNvPicPr/>
-          <p:nvPr/>
-        </p:nvPicPr>
-        <p:blipFill>
-          <a:blip r:embed="rId1"/>
-          <a:srcRect l="22727" t="12275" r="20126" b="40075"/>
-          <a:stretch/>
-        </p:blipFill>
-        <p:spPr>
-          <a:xfrm>
-            <a:off x="1980000" y="1800000"/>
-            <a:ext cx="5759640" cy="2699640"/>
-          </a:xfrm>
-          <a:prstGeom prst="rect">
-            <a:avLst/>
-          </a:prstGeom>
-          <a:ln w="10800">
-            <a:noFill/>
-          </a:ln>
-        </p:spPr>
-      </p:pic>
-    </p:spTree>
-  </p:cSld>
-  <mc:AlternateContent>
-    <mc:Choice Requires="p14">
-      <p:transition spd="slow" p14:dur="2000"/>
-    </mc:Choice>
-    <mc:Fallback>
-      <p:transition spd="slow"/>
-    </mc:Fallback>
-  </mc:AlternateContent>
-</p:sld>
-</file>
-
-<file path=ppt/slides/slide6.xml><?xml version="1.0" encoding="utf-8"?>
-<p:sld xmlns:a="http://schemas.openxmlformats.org/drawingml/2006/main" xmlns:p="http://schemas.openxmlformats.org/presentationml/2006/main" xmlns:r="http://schemas.openxmlformats.org/officeDocument/2006/relationships" xmlns:p14="http://schemas.microsoft.com/office/powerpoint/2010/main" xmlns:p15="http://schemas.microsoft.com/office/powerpoint/2012/main" xmlns:mc="http://schemas.openxmlformats.org/markup-compatibility/2006">
-  <p:cSld>
-    <p:spTree>
-      <p:nvGrpSpPr>
-        <p:cNvPr id="1" name=""/>
-        <p:cNvGrpSpPr/>
-        <p:nvPr/>
-      </p:nvGrpSpPr>
-      <p:grpSpPr>
-        <a:xfrm>
-          <a:off x="0" y="0"/>
-          <a:ext cx="0" cy="0"/>
-          <a:chOff x="0" y="0"/>
-          <a:chExt cx="0" cy="0"/>
-        </a:xfrm>
-      </p:grpSpPr>
-      <p:sp>
-        <p:nvSpPr>
-          <p:cNvPr id="97" name="TextShape 1"/>
-          <p:cNvSpPr txBox="1"/>
-          <p:nvPr/>
-        </p:nvSpPr>
-        <p:spPr>
-          <a:xfrm>
-            <a:off x="720000" y="180000"/>
-            <a:ext cx="9000000" cy="1080000"/>
-          </a:xfrm>
-          <a:prstGeom prst="rect">
-            <a:avLst/>
-          </a:prstGeom>
-          <a:noFill/>
-          <a:ln>
-            <a:noFill/>
-          </a:ln>
-        </p:spPr>
-        <p:txBody>
-          <a:bodyPr lIns="0" rIns="0" tIns="0" bIns="0" anchor="ctr">
-            <a:noAutofit/>
-          </a:bodyPr>
-          <a:p>
-            <a:r>
-              <a:rPr b="1" lang="pt-BR" sz="3300" spc="-1" strike="noStrike">
-                <a:solidFill>
-                  <a:srgbClr val="333333"/>
-                </a:solidFill>
-                <a:latin typeface="Noto Sans Regular"/>
-              </a:rPr>
-              <a:t>Passos do TDD</a:t>
-            </a:r>
-            <a:endParaRPr b="1" lang="pt-BR" sz="3300" spc="-1" strike="noStrike">
-              <a:solidFill>
-                <a:srgbClr val="333333"/>
-              </a:solidFill>
-              <a:latin typeface="Noto Sans Regular"/>
-            </a:endParaRPr>
-          </a:p>
-        </p:txBody>
-      </p:sp>
-      <p:sp>
-        <p:nvSpPr>
-          <p:cNvPr id="98" name="TextShape 2"/>
-          <p:cNvSpPr txBox="1"/>
-          <p:nvPr/>
-        </p:nvSpPr>
-        <p:spPr>
-          <a:xfrm>
-            <a:off x="720000" y="1440000"/>
-            <a:ext cx="9000000" cy="3420000"/>
-          </a:xfrm>
-          <a:prstGeom prst="rect">
-            <a:avLst/>
-          </a:prstGeom>
-          <a:noFill/>
-          <a:ln>
-            <a:noFill/>
-          </a:ln>
-        </p:spPr>
-        <p:txBody>
-          <a:bodyPr lIns="0" rIns="0" tIns="0" bIns="0">
-            <a:noAutofit/>
-          </a:bodyPr>
-          <a:p>
-            <a:pPr marL="432000" indent="-324000">
-              <a:spcAft>
-                <a:spcPts val="1060"/>
-              </a:spcAft>
-              <a:buClr>
-                <a:srgbClr val="ef2929"/>
-              </a:buClr>
-              <a:buSzPct val="45000"/>
-              <a:buFont typeface="Wingdings" charset="2"/>
-              <a:buChar char=""/>
-            </a:pPr>
-            <a:r>
-              <a:rPr b="0" lang="pt-BR" sz="2100" spc="-1" strike="noStrike">
-                <a:solidFill>
-                  <a:srgbClr val="333333"/>
-                </a:solidFill>
-                <a:latin typeface="Noto Sans Regular"/>
-              </a:rPr>
-              <a:t>Adicionar um pequeno teste</a:t>
-            </a:r>
-            <a:endParaRPr b="0" lang="pt-BR" sz="2100" spc="-1" strike="noStrike">
-              <a:solidFill>
-                <a:srgbClr val="333333"/>
-              </a:solidFill>
-              <a:latin typeface="Noto Sans Regular"/>
-            </a:endParaRPr>
-          </a:p>
-          <a:p>
-            <a:pPr marL="432000" indent="-324000">
-              <a:spcAft>
-                <a:spcPts val="1060"/>
-              </a:spcAft>
-              <a:buClr>
-                <a:srgbClr val="ef2929"/>
-              </a:buClr>
-              <a:buSzPct val="45000"/>
-              <a:buFont typeface="Wingdings" charset="2"/>
-              <a:buChar char=""/>
-            </a:pPr>
-            <a:r>
-              <a:rPr b="0" lang="pt-BR" sz="2100" spc="-1" strike="noStrike">
-                <a:solidFill>
-                  <a:srgbClr val="333333"/>
-                </a:solidFill>
-                <a:latin typeface="Noto Sans Regular"/>
-              </a:rPr>
-              <a:t>Rodar todos os testes (Teste falha)</a:t>
-            </a:r>
-            <a:endParaRPr b="0" lang="pt-BR" sz="2100" spc="-1" strike="noStrike">
-              <a:solidFill>
-                <a:srgbClr val="333333"/>
-              </a:solidFill>
-              <a:latin typeface="Noto Sans Regular"/>
-            </a:endParaRPr>
-          </a:p>
-          <a:p>
-            <a:pPr marL="432000" indent="-324000">
-              <a:spcAft>
-                <a:spcPts val="1060"/>
-              </a:spcAft>
-              <a:buClr>
-                <a:srgbClr val="ef2929"/>
-              </a:buClr>
-              <a:buSzPct val="45000"/>
-              <a:buFont typeface="Wingdings" charset="2"/>
-              <a:buChar char=""/>
-            </a:pPr>
-            <a:r>
-              <a:rPr b="0" lang="pt-BR" sz="2100" spc="-1" strike="noStrike">
-                <a:solidFill>
-                  <a:srgbClr val="333333"/>
-                </a:solidFill>
-                <a:latin typeface="Noto Sans Regular"/>
-              </a:rPr>
-              <a:t>Fazer pequenas mudanças no código para o teste passar</a:t>
-            </a:r>
-            <a:endParaRPr b="0" lang="pt-BR" sz="2100" spc="-1" strike="noStrike">
-              <a:solidFill>
-                <a:srgbClr val="333333"/>
-              </a:solidFill>
-              <a:latin typeface="Noto Sans Regular"/>
-            </a:endParaRPr>
-          </a:p>
-          <a:p>
-            <a:pPr marL="432000" indent="-324000">
-              <a:spcAft>
-                <a:spcPts val="1060"/>
-              </a:spcAft>
-              <a:buClr>
-                <a:srgbClr val="ef2929"/>
-              </a:buClr>
-              <a:buSzPct val="45000"/>
-              <a:buFont typeface="Wingdings" charset="2"/>
-              <a:buChar char=""/>
-            </a:pPr>
-            <a:r>
-              <a:rPr b="0" lang="pt-BR" sz="2100" spc="-1" strike="noStrike">
-                <a:solidFill>
-                  <a:srgbClr val="333333"/>
-                </a:solidFill>
-                <a:latin typeface="Noto Sans Regular"/>
-              </a:rPr>
-              <a:t>Rodar todos os testes (Teste passou)</a:t>
-            </a:r>
-            <a:endParaRPr b="0" lang="pt-BR" sz="2100" spc="-1" strike="noStrike">
-              <a:solidFill>
-                <a:srgbClr val="333333"/>
-              </a:solidFill>
-              <a:latin typeface="Noto Sans Regular"/>
-            </a:endParaRPr>
-          </a:p>
-          <a:p>
-            <a:pPr marL="432000" indent="-324000">
-              <a:spcAft>
-                <a:spcPts val="1060"/>
-              </a:spcAft>
-              <a:buClr>
-                <a:srgbClr val="ef2929"/>
-              </a:buClr>
-              <a:buSzPct val="45000"/>
-              <a:buFont typeface="Wingdings" charset="2"/>
-              <a:buChar char=""/>
-            </a:pPr>
-            <a:r>
-              <a:rPr b="0" lang="pt-BR" sz="2100" spc="-1" strike="noStrike">
-                <a:solidFill>
-                  <a:srgbClr val="333333"/>
-                </a:solidFill>
-                <a:latin typeface="Noto Sans Regular"/>
-              </a:rPr>
-              <a:t>Refatorar o código (Remover código duplicado, etc)</a:t>
-            </a:r>
-            <a:endParaRPr b="0" lang="pt-BR" sz="2100" spc="-1" strike="noStrike">
-              <a:solidFill>
-                <a:srgbClr val="333333"/>
-              </a:solidFill>
-              <a:latin typeface="Noto Sans Regular"/>
-            </a:endParaRPr>
-          </a:p>
-        </p:txBody>
-      </p:sp>
-    </p:spTree>
-  </p:cSld>
-  <mc:AlternateContent>
-    <mc:Choice Requires="p14">
-      <p:transition spd="slow" p14:dur="2000"/>
-    </mc:Choice>
-    <mc:Fallback>
-      <p:transition spd="slow"/>
-    </mc:Fallback>
-  </mc:AlternateContent>
-</p:sld>
-</file>
-
-<file path=ppt/slides/slide7.xml><?xml version="1.0" encoding="utf-8"?>
-<p:sld xmlns:a="http://schemas.openxmlformats.org/drawingml/2006/main" xmlns:p="http://schemas.openxmlformats.org/presentationml/2006/main" xmlns:r="http://schemas.openxmlformats.org/officeDocument/2006/relationships" xmlns:p14="http://schemas.microsoft.com/office/powerpoint/2010/main" xmlns:p15="http://schemas.microsoft.com/office/powerpoint/2012/main" xmlns:mc="http://schemas.openxmlformats.org/markup-compatibility/2006">
-  <p:cSld>
-    <p:spTree>
-      <p:nvGrpSpPr>
-        <p:cNvPr id="1" name=""/>
-        <p:cNvGrpSpPr/>
-        <p:nvPr/>
-      </p:nvGrpSpPr>
-      <p:grpSpPr>
-        <a:xfrm>
-          <a:off x="0" y="0"/>
-          <a:ext cx="0" cy="0"/>
-          <a:chOff x="0" y="0"/>
-          <a:chExt cx="0" cy="0"/>
-        </a:xfrm>
-      </p:grpSpPr>
-      <p:sp>
-        <p:nvSpPr>
-          <p:cNvPr id="99" name="TextShape 1"/>
-          <p:cNvSpPr txBox="1"/>
-          <p:nvPr/>
-        </p:nvSpPr>
-        <p:spPr>
-          <a:xfrm>
-            <a:off x="720000" y="180000"/>
-            <a:ext cx="9000000" cy="1080000"/>
-          </a:xfrm>
-          <a:prstGeom prst="rect">
-            <a:avLst/>
-          </a:prstGeom>
-          <a:noFill/>
-          <a:ln>
-            <a:noFill/>
-          </a:ln>
-        </p:spPr>
-        <p:txBody>
-          <a:bodyPr lIns="0" rIns="0" tIns="0" bIns="0" anchor="ctr">
-            <a:noAutofit/>
-          </a:bodyPr>
-          <a:p>
-            <a:r>
-              <a:rPr b="1" lang="pt-BR" sz="3300" spc="-1" strike="noStrike">
-                <a:solidFill>
-                  <a:srgbClr val="333333"/>
-                </a:solidFill>
-                <a:latin typeface="Noto Sans Regular"/>
-              </a:rPr>
-              <a:t>Passos do TDD</a:t>
-            </a:r>
-            <a:endParaRPr b="1" lang="pt-BR" sz="3300" spc="-1" strike="noStrike">
-              <a:solidFill>
-                <a:srgbClr val="333333"/>
-              </a:solidFill>
-              <a:latin typeface="Noto Sans Regular"/>
-            </a:endParaRPr>
-          </a:p>
-        </p:txBody>
-      </p:sp>
-      <p:pic>
-        <p:nvPicPr>
-          <p:cNvPr id="100" name="" descr=""/>
-          <p:cNvPicPr/>
-          <p:nvPr/>
-        </p:nvPicPr>
-        <p:blipFill>
-          <a:blip r:embed="rId1"/>
-          <a:stretch/>
-        </p:blipFill>
-        <p:spPr>
-          <a:xfrm>
-            <a:off x="2880000" y="1346760"/>
-            <a:ext cx="3657240" cy="3333240"/>
-          </a:xfrm>
-          <a:prstGeom prst="rect">
-            <a:avLst/>
-          </a:prstGeom>
-          <a:ln w="10800">
-            <a:noFill/>
-          </a:ln>
-        </p:spPr>
-      </p:pic>
-    </p:spTree>
-  </p:cSld>
-  <mc:AlternateContent>
-    <mc:Choice Requires="p14">
-      <p:transition spd="slow" p14:dur="2000"/>
-    </mc:Choice>
-    <mc:Fallback>
-      <p:transition spd="slow"/>
-    </mc:Fallback>
-  </mc:AlternateContent>
-</p:sld>
-</file>
-
-<file path=ppt/slides/slide8.xml><?xml version="1.0" encoding="utf-8"?>
-<p:sld xmlns:a="http://schemas.openxmlformats.org/drawingml/2006/main" xmlns:p="http://schemas.openxmlformats.org/presentationml/2006/main" xmlns:r="http://schemas.openxmlformats.org/officeDocument/2006/relationships" xmlns:p14="http://schemas.microsoft.com/office/powerpoint/2010/main" xmlns:p15="http://schemas.microsoft.com/office/powerpoint/2012/main" xmlns:mc="http://schemas.openxmlformats.org/markup-compatibility/2006">
-  <p:cSld>
-    <p:spTree>
-      <p:nvGrpSpPr>
-        <p:cNvPr id="1" name=""/>
-        <p:cNvGrpSpPr/>
-        <p:nvPr/>
-      </p:nvGrpSpPr>
-      <p:grpSpPr>
-        <a:xfrm>
-          <a:off x="0" y="0"/>
-          <a:ext cx="0" cy="0"/>
-          <a:chOff x="0" y="0"/>
-          <a:chExt cx="0" cy="0"/>
-        </a:xfrm>
-      </p:grpSpPr>
-      <p:sp>
-        <p:nvSpPr>
-          <p:cNvPr id="101" name="TextShape 1"/>
-          <p:cNvSpPr txBox="1"/>
-          <p:nvPr/>
-        </p:nvSpPr>
-        <p:spPr>
-          <a:xfrm>
-            <a:off x="720000" y="180000"/>
-            <a:ext cx="9000000" cy="1080000"/>
-          </a:xfrm>
-          <a:prstGeom prst="rect">
-            <a:avLst/>
-          </a:prstGeom>
-          <a:noFill/>
-          <a:ln>
-            <a:noFill/>
-          </a:ln>
-        </p:spPr>
-        <p:txBody>
-          <a:bodyPr lIns="0" rIns="0" tIns="0" bIns="0" anchor="ctr">
-            <a:noAutofit/>
-          </a:bodyPr>
-          <a:p>
-            <a:r>
-              <a:rPr b="1" lang="pt-BR" sz="3300" spc="-1" strike="noStrike">
-                <a:solidFill>
-                  <a:srgbClr val="333333"/>
-                </a:solidFill>
-                <a:latin typeface="Noto Sans Regular"/>
-              </a:rPr>
-              <a:t>Benefícios do TDD</a:t>
-            </a:r>
-            <a:endParaRPr b="1" lang="pt-BR" sz="3300" spc="-1" strike="noStrike">
-              <a:solidFill>
-                <a:srgbClr val="333333"/>
-              </a:solidFill>
-              <a:latin typeface="Noto Sans Regular"/>
-            </a:endParaRPr>
-          </a:p>
-        </p:txBody>
-      </p:sp>
-      <p:sp>
-        <p:nvSpPr>
-          <p:cNvPr id="102" name="TextShape 2"/>
-          <p:cNvSpPr txBox="1"/>
-          <p:nvPr/>
-        </p:nvSpPr>
-        <p:spPr>
-          <a:xfrm>
-            <a:off x="720000" y="1440000"/>
-            <a:ext cx="9000000" cy="3420000"/>
-          </a:xfrm>
-          <a:prstGeom prst="rect">
-            <a:avLst/>
-          </a:prstGeom>
-          <a:noFill/>
-          <a:ln>
-            <a:noFill/>
-          </a:ln>
-        </p:spPr>
-        <p:txBody>
-          <a:bodyPr lIns="0" rIns="0" tIns="0" bIns="0">
-            <a:noAutofit/>
-          </a:bodyPr>
-          <a:p>
-            <a:pPr marL="432000" indent="-324000">
-              <a:spcAft>
-                <a:spcPts val="1060"/>
-              </a:spcAft>
-              <a:buClr>
-                <a:srgbClr val="ef2929"/>
-              </a:buClr>
-              <a:buSzPct val="45000"/>
-              <a:buFont typeface="Wingdings" charset="2"/>
-              <a:buChar char=""/>
-            </a:pPr>
-            <a:r>
-              <a:rPr b="0" lang="pt-BR" sz="2100" spc="-1" strike="noStrike">
-                <a:solidFill>
-                  <a:srgbClr val="333333"/>
-                </a:solidFill>
-                <a:latin typeface="Noto Sans Regular"/>
-              </a:rPr>
-              <a:t>Menos bugs</a:t>
-            </a:r>
-            <a:endParaRPr b="0" lang="pt-BR" sz="2100" spc="-1" strike="noStrike">
-              <a:solidFill>
-                <a:srgbClr val="333333"/>
-              </a:solidFill>
-              <a:latin typeface="Noto Sans Regular"/>
-            </a:endParaRPr>
-          </a:p>
-          <a:p>
-            <a:pPr marL="432000" indent="-324000">
-              <a:spcAft>
-                <a:spcPts val="1060"/>
-              </a:spcAft>
-              <a:buClr>
-                <a:srgbClr val="ef2929"/>
-              </a:buClr>
-              <a:buSzPct val="45000"/>
-              <a:buFont typeface="Wingdings" charset="2"/>
-              <a:buChar char=""/>
-            </a:pPr>
-            <a:r>
-              <a:rPr b="0" lang="pt-BR" sz="2100" spc="-1" strike="noStrike">
-                <a:solidFill>
-                  <a:srgbClr val="333333"/>
-                </a:solidFill>
-                <a:latin typeface="Noto Sans Regular"/>
-              </a:rPr>
-              <a:t>Menos tempo de depuração</a:t>
-            </a:r>
-            <a:endParaRPr b="0" lang="pt-BR" sz="2100" spc="-1" strike="noStrike">
-              <a:solidFill>
-                <a:srgbClr val="333333"/>
-              </a:solidFill>
-              <a:latin typeface="Noto Sans Regular"/>
-            </a:endParaRPr>
-          </a:p>
-          <a:p>
-            <a:pPr marL="432000" indent="-324000">
-              <a:spcAft>
-                <a:spcPts val="1060"/>
-              </a:spcAft>
-              <a:buClr>
-                <a:srgbClr val="ef2929"/>
-              </a:buClr>
-              <a:buSzPct val="45000"/>
-              <a:buFont typeface="Wingdings" charset="2"/>
-              <a:buChar char=""/>
-            </a:pPr>
-            <a:r>
-              <a:rPr b="0" lang="pt-BR" sz="2100" spc="-1" strike="noStrike">
-                <a:solidFill>
-                  <a:srgbClr val="333333"/>
-                </a:solidFill>
-                <a:latin typeface="Noto Sans Regular"/>
-              </a:rPr>
-              <a:t>Menos efeitos colaterais</a:t>
-            </a:r>
-            <a:endParaRPr b="0" lang="pt-BR" sz="2100" spc="-1" strike="noStrike">
-              <a:solidFill>
-                <a:srgbClr val="333333"/>
-              </a:solidFill>
-              <a:latin typeface="Noto Sans Regular"/>
-            </a:endParaRPr>
-          </a:p>
-          <a:p>
-            <a:pPr marL="432000" indent="-324000">
-              <a:spcAft>
-                <a:spcPts val="1060"/>
-              </a:spcAft>
-              <a:buClr>
-                <a:srgbClr val="ef2929"/>
-              </a:buClr>
-              <a:buSzPct val="45000"/>
-              <a:buFont typeface="Wingdings" charset="2"/>
-              <a:buChar char=""/>
-            </a:pPr>
-            <a:r>
-              <a:rPr b="0" lang="pt-BR" sz="2100" spc="-1" strike="noStrike">
-                <a:solidFill>
-                  <a:srgbClr val="333333"/>
-                </a:solidFill>
-                <a:latin typeface="Noto Sans Regular"/>
-              </a:rPr>
-              <a:t>Testes são documentação! Trazem confiança!</a:t>
-            </a:r>
-            <a:endParaRPr b="0" lang="pt-BR" sz="2100" spc="-1" strike="noStrike">
-              <a:solidFill>
-                <a:srgbClr val="333333"/>
-              </a:solidFill>
-              <a:latin typeface="Noto Sans Regular"/>
-            </a:endParaRPr>
-          </a:p>
-          <a:p>
-            <a:pPr marL="432000" indent="-324000">
-              <a:spcAft>
-                <a:spcPts val="1060"/>
-              </a:spcAft>
-              <a:buClr>
-                <a:srgbClr val="ef2929"/>
-              </a:buClr>
-              <a:buSzPct val="45000"/>
-              <a:buFont typeface="Wingdings" charset="2"/>
-              <a:buChar char=""/>
-            </a:pPr>
-            <a:r>
-              <a:rPr b="0" lang="pt-BR" sz="2100" spc="-1" strike="noStrike">
-                <a:solidFill>
-                  <a:srgbClr val="333333"/>
-                </a:solidFill>
-                <a:latin typeface="Noto Sans Regular"/>
-              </a:rPr>
-              <a:t>Testes monitoram o progresso</a:t>
-            </a:r>
-            <a:endParaRPr b="0" lang="pt-BR" sz="2100" spc="-1" strike="noStrike">
-              <a:solidFill>
-                <a:srgbClr val="333333"/>
-              </a:solidFill>
-              <a:latin typeface="Noto Sans Regular"/>
-            </a:endParaRPr>
-          </a:p>
-          <a:p>
-            <a:pPr marL="432000" indent="-324000">
-              <a:spcAft>
-                <a:spcPts val="1060"/>
-              </a:spcAft>
-              <a:buClr>
-                <a:srgbClr val="ef2929"/>
-              </a:buClr>
-              <a:buSzPct val="45000"/>
-              <a:buFont typeface="Wingdings" charset="2"/>
-              <a:buChar char=""/>
-            </a:pPr>
-            <a:r>
-              <a:rPr b="0" lang="pt-BR" sz="2100" spc="-1" strike="noStrike">
-                <a:solidFill>
-                  <a:srgbClr val="333333"/>
-                </a:solidFill>
-                <a:latin typeface="Noto Sans Regular"/>
-              </a:rPr>
-              <a:t>TDD é divertido e recompensador!</a:t>
-            </a:r>
-            <a:endParaRPr b="0" lang="pt-BR" sz="2100" spc="-1" strike="noStrike">
-              <a:solidFill>
-                <a:srgbClr val="333333"/>
-              </a:solidFill>
-              <a:latin typeface="Noto Sans Regular"/>
-            </a:endParaRPr>
-          </a:p>
-        </p:txBody>
-      </p:sp>
-    </p:spTree>
-  </p:cSld>
-  <mc:AlternateContent>
-    <mc:Choice Requires="p14">
-      <p:transition spd="slow" p14:dur="2000"/>
-    </mc:Choice>
-    <mc:Fallback>
-      <p:transition spd="slow"/>
-    </mc:Fallback>
-  </mc:AlternateContent>
-</p:sld>
-</file>
-
-<file path=ppt/slides/slide9.xml><?xml version="1.0" encoding="utf-8"?>
-<p:sld xmlns:a="http://schemas.openxmlformats.org/drawingml/2006/main" xmlns:p="http://schemas.openxmlformats.org/presentationml/2006/main" xmlns:r="http://schemas.openxmlformats.org/officeDocument/2006/relationships" xmlns:p14="http://schemas.microsoft.com/office/powerpoint/2010/main" xmlns:p15="http://schemas.microsoft.com/office/powerpoint/2012/main" xmlns:mc="http://schemas.openxmlformats.org/markup-compatibility/2006">
-  <p:cSld>
-    <p:spTree>
-      <p:nvGrpSpPr>
-        <p:cNvPr id="1" name=""/>
-        <p:cNvGrpSpPr/>
-        <p:nvPr/>
-      </p:nvGrpSpPr>
-      <p:grpSpPr>
-        <a:xfrm>
-          <a:off x="0" y="0"/>
-          <a:ext cx="0" cy="0"/>
-          <a:chOff x="0" y="0"/>
-          <a:chExt cx="0" cy="0"/>
-        </a:xfrm>
-      </p:grpSpPr>
-      <p:sp>
-        <p:nvSpPr>
-          <p:cNvPr id="103" name="TextShape 1"/>
-          <p:cNvSpPr txBox="1"/>
-          <p:nvPr/>
-        </p:nvSpPr>
-        <p:spPr>
-          <a:xfrm>
-            <a:off x="720000" y="180000"/>
-            <a:ext cx="9000000" cy="1080000"/>
-          </a:xfrm>
-          <a:prstGeom prst="rect">
-            <a:avLst/>
-          </a:prstGeom>
-          <a:noFill/>
-          <a:ln>
-            <a:noFill/>
-          </a:ln>
-        </p:spPr>
-        <p:txBody>
-          <a:bodyPr lIns="0" rIns="0" tIns="0" bIns="0" anchor="ctr">
-            <a:noAutofit/>
-          </a:bodyPr>
-          <a:p>
-            <a:r>
-              <a:rPr b="1" lang="pt-BR" sz="3300" spc="-1" strike="noStrike">
-                <a:solidFill>
-                  <a:srgbClr val="333333"/>
-                </a:solidFill>
-                <a:latin typeface="Noto Sans Regular"/>
-              </a:rPr>
-              <a:t>O que é Refatoração?</a:t>
-            </a:r>
-            <a:endParaRPr b="1" lang="pt-BR" sz="3300" spc="-1" strike="noStrike">
-              <a:solidFill>
-                <a:srgbClr val="333333"/>
-              </a:solidFill>
-              <a:latin typeface="Noto Sans Regular"/>
-            </a:endParaRPr>
-          </a:p>
-        </p:txBody>
-      </p:sp>
-      <p:sp>
-        <p:nvSpPr>
-          <p:cNvPr id="104" name="TextShape 2"/>
-          <p:cNvSpPr txBox="1"/>
-          <p:nvPr/>
-        </p:nvSpPr>
-        <p:spPr>
-          <a:xfrm>
-            <a:off x="720000" y="1440000"/>
-            <a:ext cx="9000000" cy="3420000"/>
-          </a:xfrm>
-          <a:prstGeom prst="rect">
-            <a:avLst/>
-          </a:prstGeom>
-          <a:noFill/>
-          <a:ln>
-            <a:noFill/>
-          </a:ln>
-        </p:spPr>
-        <p:txBody>
-          <a:bodyPr lIns="0" rIns="0" tIns="0" bIns="0">
-            <a:noAutofit/>
-          </a:bodyPr>
-          <a:p>
-            <a:pPr marL="432000" indent="-324000">
-              <a:spcAft>
-                <a:spcPts val="1060"/>
-              </a:spcAft>
-              <a:buClr>
-                <a:srgbClr val="ef2929"/>
-              </a:buClr>
-              <a:buSzPct val="45000"/>
-              <a:buFont typeface="Wingdings" charset="2"/>
-              <a:buChar char=""/>
-            </a:pPr>
-            <a:r>
-              <a:rPr b="0" lang="pt-BR" sz="2100" spc="-1" strike="noStrike">
-                <a:solidFill>
-                  <a:srgbClr val="333333"/>
-                </a:solidFill>
-                <a:latin typeface="Noto Sans Regular"/>
-              </a:rPr>
-              <a:t>Alteração feita no código de um software para torná-lo: </a:t>
-            </a:r>
-            <a:endParaRPr b="0" lang="pt-BR" sz="2100" spc="-1" strike="noStrike">
-              <a:solidFill>
-                <a:srgbClr val="333333"/>
-              </a:solidFill>
-              <a:latin typeface="Noto Sans Regular"/>
-            </a:endParaRPr>
-          </a:p>
-          <a:p>
-            <a:pPr marL="432000" indent="-324000">
-              <a:spcAft>
-                <a:spcPts val="1060"/>
-              </a:spcAft>
-              <a:buClr>
-                <a:srgbClr val="ef2929"/>
-              </a:buClr>
-              <a:buSzPct val="45000"/>
-              <a:buFont typeface="Wingdings" charset="2"/>
-              <a:buChar char=""/>
-            </a:pPr>
-            <a:r>
-              <a:rPr b="0" lang="pt-BR" sz="2100" spc="-1" strike="noStrike">
-                <a:solidFill>
-                  <a:srgbClr val="333333"/>
-                </a:solidFill>
-                <a:latin typeface="Noto Sans Regular"/>
-              </a:rPr>
-              <a:t>Mais fácil de compreender; </a:t>
-            </a:r>
-            <a:endParaRPr b="0" lang="pt-BR" sz="2100" spc="-1" strike="noStrike">
-              <a:solidFill>
-                <a:srgbClr val="333333"/>
-              </a:solidFill>
-              <a:latin typeface="Noto Sans Regular"/>
-            </a:endParaRPr>
-          </a:p>
-          <a:p>
-            <a:pPr marL="432000" indent="-324000">
-              <a:spcAft>
-                <a:spcPts val="1060"/>
-              </a:spcAft>
-              <a:buClr>
-                <a:srgbClr val="ef2929"/>
-              </a:buClr>
-              <a:buSzPct val="45000"/>
-              <a:buFont typeface="Wingdings" charset="2"/>
-              <a:buChar char=""/>
-            </a:pPr>
-            <a:r>
-              <a:rPr b="0" lang="pt-BR" sz="2100" spc="-1" strike="noStrike">
-                <a:solidFill>
-                  <a:srgbClr val="333333"/>
-                </a:solidFill>
-                <a:latin typeface="Noto Sans Regular"/>
-              </a:rPr>
-              <a:t>Mais fácil de modificar;</a:t>
-            </a:r>
-            <a:endParaRPr b="0" lang="pt-BR" sz="2100" spc="-1" strike="noStrike">
-              <a:solidFill>
-                <a:srgbClr val="333333"/>
-              </a:solidFill>
-              <a:latin typeface="Noto Sans Regular"/>
-            </a:endParaRPr>
-          </a:p>
-          <a:p>
-            <a:pPr marL="432000" indent="-324000">
-              <a:spcAft>
-                <a:spcPts val="1060"/>
-              </a:spcAft>
-              <a:buClr>
-                <a:srgbClr val="ef2929"/>
-              </a:buClr>
-              <a:buSzPct val="45000"/>
-              <a:buFont typeface="Wingdings" charset="2"/>
-              <a:buChar char=""/>
-            </a:pPr>
-            <a:r>
-              <a:rPr b="0" lang="pt-BR" sz="2100" spc="-1" strike="noStrike">
-                <a:solidFill>
-                  <a:srgbClr val="333333"/>
-                </a:solidFill>
-                <a:latin typeface="Noto Sans Regular"/>
-              </a:rPr>
-              <a:t>Sem alterar o seu comportamento observável;</a:t>
+              <a:t>Uma série de passos pequenos, cada um dos quais muda a estrutura interna do programa sem alterar o seu comportamento externo.”</a:t>
             </a:r>
             <a:endParaRPr b="0" lang="pt-BR" sz="2100" spc="-1" strike="noStrike">
               <a:solidFill>
